--- a/FIGURES_TABLES/pub.Figures_Supp_Text/Supp_figures_ordered/model.core20.pptx
+++ b/FIGURES_TABLES/pub.Figures_Supp_Text/Supp_figures_ordered/model.core20.pptx
@@ -104,6 +104,11 @@
       </a:defRPr>
     </a:lvl9pPr>
   </p:defaultTextStyle>
+  <p:extLst>
+    <p:ext uri="{EFAFB233-063F-42B5-8137-9DF3F51BA10A}">
+      <p15:sldGuideLst xmlns:p15="http://schemas.microsoft.com/office/powerpoint/2012/main"/>
+    </p:ext>
+  </p:extLst>
 </p:presentation>
 </file>
 
@@ -254,7 +259,7 @@
           <a:p>
             <a:fld id="{2DE60E18-A715-B643-96D3-BFE3B6261811}" type="datetimeFigureOut">
               <a:rPr lang="en-US" smtClean="0"/>
-              <a:t>11/2/22</a:t>
+              <a:t>11/15/22</a:t>
             </a:fld>
             <a:endParaRPr lang="en-US"/>
           </a:p>
@@ -452,7 +457,7 @@
           <a:p>
             <a:fld id="{2DE60E18-A715-B643-96D3-BFE3B6261811}" type="datetimeFigureOut">
               <a:rPr lang="en-US" smtClean="0"/>
-              <a:t>11/2/22</a:t>
+              <a:t>11/15/22</a:t>
             </a:fld>
             <a:endParaRPr lang="en-US"/>
           </a:p>
@@ -660,7 +665,7 @@
           <a:p>
             <a:fld id="{2DE60E18-A715-B643-96D3-BFE3B6261811}" type="datetimeFigureOut">
               <a:rPr lang="en-US" smtClean="0"/>
-              <a:t>11/2/22</a:t>
+              <a:t>11/15/22</a:t>
             </a:fld>
             <a:endParaRPr lang="en-US"/>
           </a:p>
@@ -858,7 +863,7 @@
           <a:p>
             <a:fld id="{2DE60E18-A715-B643-96D3-BFE3B6261811}" type="datetimeFigureOut">
               <a:rPr lang="en-US" smtClean="0"/>
-              <a:t>11/2/22</a:t>
+              <a:t>11/15/22</a:t>
             </a:fld>
             <a:endParaRPr lang="en-US"/>
           </a:p>
@@ -1133,7 +1138,7 @@
           <a:p>
             <a:fld id="{2DE60E18-A715-B643-96D3-BFE3B6261811}" type="datetimeFigureOut">
               <a:rPr lang="en-US" smtClean="0"/>
-              <a:t>11/2/22</a:t>
+              <a:t>11/15/22</a:t>
             </a:fld>
             <a:endParaRPr lang="en-US"/>
           </a:p>
@@ -1398,7 +1403,7 @@
           <a:p>
             <a:fld id="{2DE60E18-A715-B643-96D3-BFE3B6261811}" type="datetimeFigureOut">
               <a:rPr lang="en-US" smtClean="0"/>
-              <a:t>11/2/22</a:t>
+              <a:t>11/15/22</a:t>
             </a:fld>
             <a:endParaRPr lang="en-US"/>
           </a:p>
@@ -1810,7 +1815,7 @@
           <a:p>
             <a:fld id="{2DE60E18-A715-B643-96D3-BFE3B6261811}" type="datetimeFigureOut">
               <a:rPr lang="en-US" smtClean="0"/>
-              <a:t>11/2/22</a:t>
+              <a:t>11/15/22</a:t>
             </a:fld>
             <a:endParaRPr lang="en-US"/>
           </a:p>
@@ -1951,7 +1956,7 @@
           <a:p>
             <a:fld id="{2DE60E18-A715-B643-96D3-BFE3B6261811}" type="datetimeFigureOut">
               <a:rPr lang="en-US" smtClean="0"/>
-              <a:t>11/2/22</a:t>
+              <a:t>11/15/22</a:t>
             </a:fld>
             <a:endParaRPr lang="en-US"/>
           </a:p>
@@ -2064,7 +2069,7 @@
           <a:p>
             <a:fld id="{2DE60E18-A715-B643-96D3-BFE3B6261811}" type="datetimeFigureOut">
               <a:rPr lang="en-US" smtClean="0"/>
-              <a:t>11/2/22</a:t>
+              <a:t>11/15/22</a:t>
             </a:fld>
             <a:endParaRPr lang="en-US"/>
           </a:p>
@@ -2375,7 +2380,7 @@
           <a:p>
             <a:fld id="{2DE60E18-A715-B643-96D3-BFE3B6261811}" type="datetimeFigureOut">
               <a:rPr lang="en-US" smtClean="0"/>
-              <a:t>11/2/22</a:t>
+              <a:t>11/15/22</a:t>
             </a:fld>
             <a:endParaRPr lang="en-US"/>
           </a:p>
@@ -2663,7 +2668,7 @@
           <a:p>
             <a:fld id="{2DE60E18-A715-B643-96D3-BFE3B6261811}" type="datetimeFigureOut">
               <a:rPr lang="en-US" smtClean="0"/>
-              <a:t>11/2/22</a:t>
+              <a:t>11/15/22</a:t>
             </a:fld>
             <a:endParaRPr lang="en-US"/>
           </a:p>
@@ -2904,7 +2909,7 @@
           <a:p>
             <a:fld id="{2DE60E18-A715-B643-96D3-BFE3B6261811}" type="datetimeFigureOut">
               <a:rPr lang="en-US" smtClean="0"/>
-              <a:t>11/2/22</a:t>
+              <a:t>11/15/22</a:t>
             </a:fld>
             <a:endParaRPr lang="en-US"/>
           </a:p>
@@ -3789,6 +3794,43 @@
           <p:spPr>
             <a:xfrm>
               <a:off x="863599" y="4728863"/>
+              <a:ext cx="791755" cy="369332"/>
+            </a:xfrm>
+            <a:prstGeom prst="rect">
+              <a:avLst/>
+            </a:prstGeom>
+            <a:noFill/>
+          </p:spPr>
+          <p:txBody>
+            <a:bodyPr wrap="none" rtlCol="0">
+              <a:spAutoFit/>
+            </a:bodyPr>
+            <a:lstStyle/>
+            <a:p>
+              <a:r>
+                <a:rPr lang="en-US" dirty="0">
+                  <a:latin typeface="Helvetica" pitchFamily="2" charset="0"/>
+                </a:rPr>
+                <a:t>Warm</a:t>
+              </a:r>
+            </a:p>
+          </p:txBody>
+        </p:sp>
+        <p:sp>
+          <p:nvSpPr>
+            <p:cNvPr id="34" name="TextBox 33">
+              <a:extLst>
+                <a:ext uri="{FF2B5EF4-FFF2-40B4-BE49-F238E27FC236}">
+                  <a16:creationId xmlns:a16="http://schemas.microsoft.com/office/drawing/2014/main" id="{7FCF4850-0E3C-1F6C-6D48-2420808DD48F}"/>
+                </a:ext>
+              </a:extLst>
+            </p:cNvPr>
+            <p:cNvSpPr txBox="1"/>
+            <p:nvPr/>
+          </p:nvSpPr>
+          <p:spPr>
+            <a:xfrm>
+              <a:off x="3310689" y="4728863"/>
               <a:ext cx="659155" cy="369332"/>
             </a:xfrm>
             <a:prstGeom prst="rect">
@@ -3811,43 +3853,6 @@
             </a:p>
           </p:txBody>
         </p:sp>
-        <p:sp>
-          <p:nvSpPr>
-            <p:cNvPr id="34" name="TextBox 33">
-              <a:extLst>
-                <a:ext uri="{FF2B5EF4-FFF2-40B4-BE49-F238E27FC236}">
-                  <a16:creationId xmlns:a16="http://schemas.microsoft.com/office/drawing/2014/main" id="{7FCF4850-0E3C-1F6C-6D48-2420808DD48F}"/>
-                </a:ext>
-              </a:extLst>
-            </p:cNvPr>
-            <p:cNvSpPr txBox="1"/>
-            <p:nvPr/>
-          </p:nvSpPr>
-          <p:spPr>
-            <a:xfrm>
-              <a:off x="3310689" y="4728863"/>
-              <a:ext cx="791755" cy="369332"/>
-            </a:xfrm>
-            <a:prstGeom prst="rect">
-              <a:avLst/>
-            </a:prstGeom>
-            <a:noFill/>
-          </p:spPr>
-          <p:txBody>
-            <a:bodyPr wrap="none" rtlCol="0">
-              <a:spAutoFit/>
-            </a:bodyPr>
-            <a:lstStyle/>
-            <a:p>
-              <a:r>
-                <a:rPr lang="en-US" dirty="0">
-                  <a:latin typeface="Helvetica" pitchFamily="2" charset="0"/>
-                </a:rPr>
-                <a:t>Warm</a:t>
-              </a:r>
-            </a:p>
-          </p:txBody>
-        </p:sp>
         <p:cxnSp>
           <p:nvCxnSpPr>
             <p:cNvPr id="36" name="Straight Arrow Connector 35">
@@ -3865,8 +3870,8 @@
           </p:nvCxnSpPr>
           <p:spPr>
             <a:xfrm>
-              <a:off x="1522754" y="4913529"/>
-              <a:ext cx="1787935" cy="0"/>
+              <a:off x="1655354" y="4913529"/>
+              <a:ext cx="1655335" cy="0"/>
             </a:xfrm>
             <a:prstGeom prst="straightConnector1">
               <a:avLst/>

--- a/FIGURES_TABLES/pub.Figures_Supp_Text/Supp_figures_ordered/model.core20.pptx
+++ b/FIGURES_TABLES/pub.Figures_Supp_Text/Supp_figures_ordered/model.core20.pptx
@@ -259,7 +259,7 @@
           <a:p>
             <a:fld id="{2DE60E18-A715-B643-96D3-BFE3B6261811}" type="datetimeFigureOut">
               <a:rPr lang="en-US" smtClean="0"/>
-              <a:t>11/15/22</a:t>
+              <a:t>11/21/22</a:t>
             </a:fld>
             <a:endParaRPr lang="en-US"/>
           </a:p>
@@ -457,7 +457,7 @@
           <a:p>
             <a:fld id="{2DE60E18-A715-B643-96D3-BFE3B6261811}" type="datetimeFigureOut">
               <a:rPr lang="en-US" smtClean="0"/>
-              <a:t>11/15/22</a:t>
+              <a:t>11/21/22</a:t>
             </a:fld>
             <a:endParaRPr lang="en-US"/>
           </a:p>
@@ -665,7 +665,7 @@
           <a:p>
             <a:fld id="{2DE60E18-A715-B643-96D3-BFE3B6261811}" type="datetimeFigureOut">
               <a:rPr lang="en-US" smtClean="0"/>
-              <a:t>11/15/22</a:t>
+              <a:t>11/21/22</a:t>
             </a:fld>
             <a:endParaRPr lang="en-US"/>
           </a:p>
@@ -863,7 +863,7 @@
           <a:p>
             <a:fld id="{2DE60E18-A715-B643-96D3-BFE3B6261811}" type="datetimeFigureOut">
               <a:rPr lang="en-US" smtClean="0"/>
-              <a:t>11/15/22</a:t>
+              <a:t>11/21/22</a:t>
             </a:fld>
             <a:endParaRPr lang="en-US"/>
           </a:p>
@@ -1138,7 +1138,7 @@
           <a:p>
             <a:fld id="{2DE60E18-A715-B643-96D3-BFE3B6261811}" type="datetimeFigureOut">
               <a:rPr lang="en-US" smtClean="0"/>
-              <a:t>11/15/22</a:t>
+              <a:t>11/21/22</a:t>
             </a:fld>
             <a:endParaRPr lang="en-US"/>
           </a:p>
@@ -1403,7 +1403,7 @@
           <a:p>
             <a:fld id="{2DE60E18-A715-B643-96D3-BFE3B6261811}" type="datetimeFigureOut">
               <a:rPr lang="en-US" smtClean="0"/>
-              <a:t>11/15/22</a:t>
+              <a:t>11/21/22</a:t>
             </a:fld>
             <a:endParaRPr lang="en-US"/>
           </a:p>
@@ -1815,7 +1815,7 @@
           <a:p>
             <a:fld id="{2DE60E18-A715-B643-96D3-BFE3B6261811}" type="datetimeFigureOut">
               <a:rPr lang="en-US" smtClean="0"/>
-              <a:t>11/15/22</a:t>
+              <a:t>11/21/22</a:t>
             </a:fld>
             <a:endParaRPr lang="en-US"/>
           </a:p>
@@ -1956,7 +1956,7 @@
           <a:p>
             <a:fld id="{2DE60E18-A715-B643-96D3-BFE3B6261811}" type="datetimeFigureOut">
               <a:rPr lang="en-US" smtClean="0"/>
-              <a:t>11/15/22</a:t>
+              <a:t>11/21/22</a:t>
             </a:fld>
             <a:endParaRPr lang="en-US"/>
           </a:p>
@@ -2069,7 +2069,7 @@
           <a:p>
             <a:fld id="{2DE60E18-A715-B643-96D3-BFE3B6261811}" type="datetimeFigureOut">
               <a:rPr lang="en-US" smtClean="0"/>
-              <a:t>11/15/22</a:t>
+              <a:t>11/21/22</a:t>
             </a:fld>
             <a:endParaRPr lang="en-US"/>
           </a:p>
@@ -2380,7 +2380,7 @@
           <a:p>
             <a:fld id="{2DE60E18-A715-B643-96D3-BFE3B6261811}" type="datetimeFigureOut">
               <a:rPr lang="en-US" smtClean="0"/>
-              <a:t>11/15/22</a:t>
+              <a:t>11/21/22</a:t>
             </a:fld>
             <a:endParaRPr lang="en-US"/>
           </a:p>
@@ -2668,7 +2668,7 @@
           <a:p>
             <a:fld id="{2DE60E18-A715-B643-96D3-BFE3B6261811}" type="datetimeFigureOut">
               <a:rPr lang="en-US" smtClean="0"/>
-              <a:t>11/15/22</a:t>
+              <a:t>11/21/22</a:t>
             </a:fld>
             <a:endParaRPr lang="en-US"/>
           </a:p>
@@ -2909,7 +2909,7 @@
           <a:p>
             <a:fld id="{2DE60E18-A715-B643-96D3-BFE3B6261811}" type="datetimeFigureOut">
               <a:rPr lang="en-US" smtClean="0"/>
-              <a:t>11/15/22</a:t>
+              <a:t>11/21/22</a:t>
             </a:fld>
             <a:endParaRPr lang="en-US"/>
           </a:p>
@@ -3530,8 +3530,9 @@
             </a:prstGeom>
             <a:ln w="57150">
               <a:solidFill>
-                <a:srgbClr val="FF0000"/>
+                <a:srgbClr val="0070C0"/>
               </a:solidFill>
+              <a:prstDash val="sysDash"/>
             </a:ln>
           </p:spPr>
           <p:style>
@@ -3794,6 +3795,43 @@
           <p:spPr>
             <a:xfrm>
               <a:off x="863599" y="4728863"/>
+              <a:ext cx="659155" cy="369332"/>
+            </a:xfrm>
+            <a:prstGeom prst="rect">
+              <a:avLst/>
+            </a:prstGeom>
+            <a:noFill/>
+          </p:spPr>
+          <p:txBody>
+            <a:bodyPr wrap="none" rtlCol="0">
+              <a:spAutoFit/>
+            </a:bodyPr>
+            <a:lstStyle/>
+            <a:p>
+              <a:r>
+                <a:rPr lang="en-US" dirty="0">
+                  <a:latin typeface="Helvetica" pitchFamily="2" charset="0"/>
+                </a:rPr>
+                <a:t>Cold</a:t>
+              </a:r>
+            </a:p>
+          </p:txBody>
+        </p:sp>
+        <p:sp>
+          <p:nvSpPr>
+            <p:cNvPr id="34" name="TextBox 33">
+              <a:extLst>
+                <a:ext uri="{FF2B5EF4-FFF2-40B4-BE49-F238E27FC236}">
+                  <a16:creationId xmlns:a16="http://schemas.microsoft.com/office/drawing/2014/main" id="{7FCF4850-0E3C-1F6C-6D48-2420808DD48F}"/>
+                </a:ext>
+              </a:extLst>
+            </p:cNvPr>
+            <p:cNvSpPr txBox="1"/>
+            <p:nvPr/>
+          </p:nvSpPr>
+          <p:spPr>
+            <a:xfrm>
+              <a:off x="3310689" y="4728863"/>
               <a:ext cx="791755" cy="369332"/>
             </a:xfrm>
             <a:prstGeom prst="rect">
@@ -3816,43 +3854,6 @@
             </a:p>
           </p:txBody>
         </p:sp>
-        <p:sp>
-          <p:nvSpPr>
-            <p:cNvPr id="34" name="TextBox 33">
-              <a:extLst>
-                <a:ext uri="{FF2B5EF4-FFF2-40B4-BE49-F238E27FC236}">
-                  <a16:creationId xmlns:a16="http://schemas.microsoft.com/office/drawing/2014/main" id="{7FCF4850-0E3C-1F6C-6D48-2420808DD48F}"/>
-                </a:ext>
-              </a:extLst>
-            </p:cNvPr>
-            <p:cNvSpPr txBox="1"/>
-            <p:nvPr/>
-          </p:nvSpPr>
-          <p:spPr>
-            <a:xfrm>
-              <a:off x="3310689" y="4728863"/>
-              <a:ext cx="659155" cy="369332"/>
-            </a:xfrm>
-            <a:prstGeom prst="rect">
-              <a:avLst/>
-            </a:prstGeom>
-            <a:noFill/>
-          </p:spPr>
-          <p:txBody>
-            <a:bodyPr wrap="none" rtlCol="0">
-              <a:spAutoFit/>
-            </a:bodyPr>
-            <a:lstStyle/>
-            <a:p>
-              <a:r>
-                <a:rPr lang="en-US" dirty="0">
-                  <a:latin typeface="Helvetica" pitchFamily="2" charset="0"/>
-                </a:rPr>
-                <a:t>Cold</a:t>
-              </a:r>
-            </a:p>
-          </p:txBody>
-        </p:sp>
         <p:cxnSp>
           <p:nvCxnSpPr>
             <p:cNvPr id="36" name="Straight Arrow Connector 35">
@@ -3870,8 +3871,8 @@
           </p:nvCxnSpPr>
           <p:spPr>
             <a:xfrm>
-              <a:off x="1655354" y="4913529"/>
-              <a:ext cx="1655335" cy="0"/>
+              <a:off x="1522754" y="4913529"/>
+              <a:ext cx="1787935" cy="0"/>
             </a:xfrm>
             <a:prstGeom prst="straightConnector1">
               <a:avLst/>
@@ -4128,6 +4129,211 @@
           </p:style>
         </p:cxnSp>
       </p:grpSp>
+      <p:cxnSp>
+        <p:nvCxnSpPr>
+          <p:cNvPr id="2" name="Straight Connector 1">
+            <a:extLst>
+              <a:ext uri="{FF2B5EF4-FFF2-40B4-BE49-F238E27FC236}">
+                <a16:creationId xmlns:a16="http://schemas.microsoft.com/office/drawing/2014/main" id="{CD81FD09-F692-337B-CA90-95AAE8E4A8CE}"/>
+              </a:ext>
+            </a:extLst>
+          </p:cNvPr>
+          <p:cNvCxnSpPr>
+            <a:cxnSpLocks/>
+          </p:cNvCxnSpPr>
+          <p:nvPr/>
+        </p:nvCxnSpPr>
+        <p:spPr>
+          <a:xfrm flipV="1">
+            <a:off x="1134217" y="1802882"/>
+            <a:ext cx="2697607" cy="2597320"/>
+          </a:xfrm>
+          <a:prstGeom prst="line">
+            <a:avLst/>
+          </a:prstGeom>
+          <a:ln w="57150">
+            <a:solidFill>
+              <a:srgbClr val="FF0000"/>
+            </a:solidFill>
+            <a:prstDash val="solid"/>
+          </a:ln>
+        </p:spPr>
+        <p:style>
+          <a:lnRef idx="1">
+            <a:schemeClr val="accent1"/>
+          </a:lnRef>
+          <a:fillRef idx="0">
+            <a:schemeClr val="accent1"/>
+          </a:fillRef>
+          <a:effectRef idx="0">
+            <a:schemeClr val="accent1"/>
+          </a:effectRef>
+          <a:fontRef idx="minor">
+            <a:schemeClr val="tx1"/>
+          </a:fontRef>
+        </p:style>
+      </p:cxnSp>
+      <p:cxnSp>
+        <p:nvCxnSpPr>
+          <p:cNvPr id="49" name="Straight Connector 48">
+            <a:extLst>
+              <a:ext uri="{FF2B5EF4-FFF2-40B4-BE49-F238E27FC236}">
+                <a16:creationId xmlns:a16="http://schemas.microsoft.com/office/drawing/2014/main" id="{C7AB4418-E799-7477-F828-2CD4DC2028DE}"/>
+              </a:ext>
+            </a:extLst>
+          </p:cNvPr>
+          <p:cNvCxnSpPr>
+            <a:cxnSpLocks/>
+          </p:cNvCxnSpPr>
+          <p:nvPr/>
+        </p:nvCxnSpPr>
+        <p:spPr>
+          <a:xfrm>
+            <a:off x="1342101" y="5584546"/>
+            <a:ext cx="587953" cy="0"/>
+          </a:xfrm>
+          <a:prstGeom prst="line">
+            <a:avLst/>
+          </a:prstGeom>
+          <a:ln w="57150">
+            <a:solidFill>
+              <a:srgbClr val="FF0000"/>
+            </a:solidFill>
+          </a:ln>
+        </p:spPr>
+        <p:style>
+          <a:lnRef idx="1">
+            <a:schemeClr val="accent1"/>
+          </a:lnRef>
+          <a:fillRef idx="0">
+            <a:schemeClr val="accent1"/>
+          </a:fillRef>
+          <a:effectRef idx="0">
+            <a:schemeClr val="accent1"/>
+          </a:effectRef>
+          <a:fontRef idx="minor">
+            <a:schemeClr val="tx1"/>
+          </a:fontRef>
+        </p:style>
+      </p:cxnSp>
+      <p:cxnSp>
+        <p:nvCxnSpPr>
+          <p:cNvPr id="50" name="Straight Connector 49">
+            <a:extLst>
+              <a:ext uri="{FF2B5EF4-FFF2-40B4-BE49-F238E27FC236}">
+                <a16:creationId xmlns:a16="http://schemas.microsoft.com/office/drawing/2014/main" id="{668DA133-A52A-2A35-BAD2-D94D677050ED}"/>
+              </a:ext>
+            </a:extLst>
+          </p:cNvPr>
+          <p:cNvCxnSpPr>
+            <a:cxnSpLocks/>
+          </p:cNvCxnSpPr>
+          <p:nvPr/>
+        </p:nvCxnSpPr>
+        <p:spPr>
+          <a:xfrm>
+            <a:off x="1342101" y="5309978"/>
+            <a:ext cx="587953" cy="0"/>
+          </a:xfrm>
+          <a:prstGeom prst="line">
+            <a:avLst/>
+          </a:prstGeom>
+          <a:ln w="57150">
+            <a:solidFill>
+              <a:schemeClr val="accent1"/>
+            </a:solidFill>
+            <a:prstDash val="sysDash"/>
+          </a:ln>
+        </p:spPr>
+        <p:style>
+          <a:lnRef idx="1">
+            <a:schemeClr val="accent1"/>
+          </a:lnRef>
+          <a:fillRef idx="0">
+            <a:schemeClr val="accent1"/>
+          </a:fillRef>
+          <a:effectRef idx="0">
+            <a:schemeClr val="accent1"/>
+          </a:effectRef>
+          <a:fontRef idx="minor">
+            <a:schemeClr val="tx1"/>
+          </a:fontRef>
+        </p:style>
+      </p:cxnSp>
+      <p:sp>
+        <p:nvSpPr>
+          <p:cNvPr id="56" name="TextBox 55">
+            <a:extLst>
+              <a:ext uri="{FF2B5EF4-FFF2-40B4-BE49-F238E27FC236}">
+                <a16:creationId xmlns:a16="http://schemas.microsoft.com/office/drawing/2014/main" id="{9E971ACE-B20C-2E4A-0D49-37567F31897F}"/>
+              </a:ext>
+            </a:extLst>
+          </p:cNvPr>
+          <p:cNvSpPr txBox="1"/>
+          <p:nvPr/>
+        </p:nvSpPr>
+        <p:spPr>
+          <a:xfrm>
+            <a:off x="1930054" y="5125312"/>
+            <a:ext cx="1783502" cy="369332"/>
+          </a:xfrm>
+          <a:prstGeom prst="rect">
+            <a:avLst/>
+          </a:prstGeom>
+          <a:noFill/>
+        </p:spPr>
+        <p:txBody>
+          <a:bodyPr wrap="none" rtlCol="0">
+            <a:spAutoFit/>
+          </a:bodyPr>
+          <a:lstStyle/>
+          <a:p>
+            <a:r>
+              <a:rPr lang="en-US" dirty="0">
+                <a:latin typeface="Helvetica" pitchFamily="2" charset="0"/>
+              </a:rPr>
+              <a:t>Observed in VA</a:t>
+            </a:r>
+          </a:p>
+        </p:txBody>
+      </p:sp>
+      <p:sp>
+        <p:nvSpPr>
+          <p:cNvPr id="57" name="TextBox 56">
+            <a:extLst>
+              <a:ext uri="{FF2B5EF4-FFF2-40B4-BE49-F238E27FC236}">
+                <a16:creationId xmlns:a16="http://schemas.microsoft.com/office/drawing/2014/main" id="{6FA08981-73E7-E56C-D11B-A7E09EFF8288}"/>
+              </a:ext>
+            </a:extLst>
+          </p:cNvPr>
+          <p:cNvSpPr txBox="1"/>
+          <p:nvPr/>
+        </p:nvSpPr>
+        <p:spPr>
+          <a:xfrm>
+            <a:off x="1930054" y="5402311"/>
+            <a:ext cx="2172390" cy="369332"/>
+          </a:xfrm>
+          <a:prstGeom prst="rect">
+            <a:avLst/>
+          </a:prstGeom>
+          <a:noFill/>
+        </p:spPr>
+        <p:txBody>
+          <a:bodyPr wrap="none" rtlCol="0">
+            <a:spAutoFit/>
+          </a:bodyPr>
+          <a:lstStyle/>
+          <a:p>
+            <a:r>
+              <a:rPr lang="en-US" dirty="0">
+                <a:latin typeface="Helvetica" pitchFamily="2" charset="0"/>
+              </a:rPr>
+              <a:t>A-priori expectation</a:t>
+            </a:r>
+          </a:p>
+        </p:txBody>
+      </p:sp>
     </p:spTree>
     <p:extLst>
       <p:ext uri="{BB962C8B-B14F-4D97-AF65-F5344CB8AC3E}">
